--- a/docs/assets/fractals/abstract/pinwheel-shaded.pptx
+++ b/docs/assets/fractals/abstract/pinwheel-shaded.pptx
@@ -5,7 +5,8 @@
     <p:sldMasterId id="2147483696" r:id="rId1"/>
   </p:sldMasterIdLst>
   <p:sldIdLst>
-    <p:sldId id="256" r:id="rId2"/>
+    <p:sldId id="257" r:id="rId2"/>
+    <p:sldId id="256" r:id="rId3"/>
   </p:sldIdLst>
   <p:sldSz cx="8640763" cy="4319588"/>
   <p:notesSz cx="6858000" cy="9144000"/>
@@ -243,7 +244,7 @@
           <a:p>
             <a:fld id="{CA20110A-05E5-BB43-BBEA-CB79CD43A6D9}" type="datetimeFigureOut">
               <a:rPr lang="en-GB" smtClean="0"/>
-              <a:t>28/10/2024</a:t>
+              <a:t>16/11/2024</a:t>
             </a:fld>
             <a:endParaRPr lang="en-GB"/>
           </a:p>
@@ -413,7 +414,7 @@
           <a:p>
             <a:fld id="{CA20110A-05E5-BB43-BBEA-CB79CD43A6D9}" type="datetimeFigureOut">
               <a:rPr lang="en-GB" smtClean="0"/>
-              <a:t>28/10/2024</a:t>
+              <a:t>16/11/2024</a:t>
             </a:fld>
             <a:endParaRPr lang="en-GB"/>
           </a:p>
@@ -593,7 +594,7 @@
           <a:p>
             <a:fld id="{CA20110A-05E5-BB43-BBEA-CB79CD43A6D9}" type="datetimeFigureOut">
               <a:rPr lang="en-GB" smtClean="0"/>
-              <a:t>28/10/2024</a:t>
+              <a:t>16/11/2024</a:t>
             </a:fld>
             <a:endParaRPr lang="en-GB"/>
           </a:p>
@@ -763,7 +764,7 @@
           <a:p>
             <a:fld id="{CA20110A-05E5-BB43-BBEA-CB79CD43A6D9}" type="datetimeFigureOut">
               <a:rPr lang="en-GB" smtClean="0"/>
-              <a:t>28/10/2024</a:t>
+              <a:t>16/11/2024</a:t>
             </a:fld>
             <a:endParaRPr lang="en-GB"/>
           </a:p>
@@ -1009,7 +1010,7 @@
           <a:p>
             <a:fld id="{CA20110A-05E5-BB43-BBEA-CB79CD43A6D9}" type="datetimeFigureOut">
               <a:rPr lang="en-GB" smtClean="0"/>
-              <a:t>28/10/2024</a:t>
+              <a:t>16/11/2024</a:t>
             </a:fld>
             <a:endParaRPr lang="en-GB"/>
           </a:p>
@@ -1241,7 +1242,7 @@
           <a:p>
             <a:fld id="{CA20110A-05E5-BB43-BBEA-CB79CD43A6D9}" type="datetimeFigureOut">
               <a:rPr lang="en-GB" smtClean="0"/>
-              <a:t>28/10/2024</a:t>
+              <a:t>16/11/2024</a:t>
             </a:fld>
             <a:endParaRPr lang="en-GB"/>
           </a:p>
@@ -1608,7 +1609,7 @@
           <a:p>
             <a:fld id="{CA20110A-05E5-BB43-BBEA-CB79CD43A6D9}" type="datetimeFigureOut">
               <a:rPr lang="en-GB" smtClean="0"/>
-              <a:t>28/10/2024</a:t>
+              <a:t>16/11/2024</a:t>
             </a:fld>
             <a:endParaRPr lang="en-GB"/>
           </a:p>
@@ -1726,7 +1727,7 @@
           <a:p>
             <a:fld id="{CA20110A-05E5-BB43-BBEA-CB79CD43A6D9}" type="datetimeFigureOut">
               <a:rPr lang="en-GB" smtClean="0"/>
-              <a:t>28/10/2024</a:t>
+              <a:t>16/11/2024</a:t>
             </a:fld>
             <a:endParaRPr lang="en-GB"/>
           </a:p>
@@ -1821,7 +1822,7 @@
           <a:p>
             <a:fld id="{CA20110A-05E5-BB43-BBEA-CB79CD43A6D9}" type="datetimeFigureOut">
               <a:rPr lang="en-GB" smtClean="0"/>
-              <a:t>28/10/2024</a:t>
+              <a:t>16/11/2024</a:t>
             </a:fld>
             <a:endParaRPr lang="en-GB"/>
           </a:p>
@@ -2098,7 +2099,7 @@
           <a:p>
             <a:fld id="{CA20110A-05E5-BB43-BBEA-CB79CD43A6D9}" type="datetimeFigureOut">
               <a:rPr lang="en-GB" smtClean="0"/>
-              <a:t>28/10/2024</a:t>
+              <a:t>16/11/2024</a:t>
             </a:fld>
             <a:endParaRPr lang="en-GB"/>
           </a:p>
@@ -2355,7 +2356,7 @@
           <a:p>
             <a:fld id="{CA20110A-05E5-BB43-BBEA-CB79CD43A6D9}" type="datetimeFigureOut">
               <a:rPr lang="en-GB" smtClean="0"/>
-              <a:t>28/10/2024</a:t>
+              <a:t>16/11/2024</a:t>
             </a:fld>
             <a:endParaRPr lang="en-GB"/>
           </a:p>
@@ -2568,7 +2569,7 @@
           <a:p>
             <a:fld id="{CA20110A-05E5-BB43-BBEA-CB79CD43A6D9}" type="datetimeFigureOut">
               <a:rPr lang="en-GB" smtClean="0"/>
-              <a:t>28/10/2024</a:t>
+              <a:t>16/11/2024</a:t>
             </a:fld>
             <a:endParaRPr lang="en-GB"/>
           </a:p>
@@ -2959,6 +2960,218 @@
 <file path=ppt/slides/slide1.xml><?xml version="1.0" encoding="utf-8"?>
 <p:sld xmlns:a="http://schemas.openxmlformats.org/drawingml/2006/main" xmlns:r="http://schemas.openxmlformats.org/officeDocument/2006/relationships" xmlns:p="http://schemas.openxmlformats.org/presentationml/2006/main">
   <p:cSld>
+    <p:bg>
+      <p:bgPr>
+        <a:solidFill>
+          <a:schemeClr val="tx1"/>
+        </a:solidFill>
+        <a:effectLst/>
+      </p:bgPr>
+    </p:bg>
+    <p:spTree>
+      <p:nvGrpSpPr>
+        <p:cNvPr id="1" name=""/>
+        <p:cNvGrpSpPr/>
+        <p:nvPr/>
+      </p:nvGrpSpPr>
+      <p:grpSpPr>
+        <a:xfrm>
+          <a:off x="0" y="0"/>
+          <a:ext cx="0" cy="0"/>
+          <a:chOff x="0" y="0"/>
+          <a:chExt cx="0" cy="0"/>
+        </a:xfrm>
+      </p:grpSpPr>
+      <mc:AlternateContent xmlns:mc="http://schemas.openxmlformats.org/markup-compatibility/2006">
+        <mc:Choice xmlns:pslz="http://schemas.microsoft.com/office/powerpoint/2016/slidezoom" Requires="pslz">
+          <p:graphicFrame>
+            <p:nvGraphicFramePr>
+              <p:cNvPr id="5" name="Slide Zoom 4">
+                <a:extLst>
+                  <a:ext uri="{FF2B5EF4-FFF2-40B4-BE49-F238E27FC236}">
+                    <a16:creationId xmlns:a16="http://schemas.microsoft.com/office/drawing/2014/main" id="{3E6FDABE-3580-E24D-A39D-2D1C16920FE0}"/>
+                  </a:ext>
+                </a:extLst>
+              </p:cNvPr>
+              <p:cNvGraphicFramePr>
+                <a:graphicFrameLocks noChangeAspect="1"/>
+              </p:cNvGraphicFramePr>
+              <p:nvPr>
+                <p:extLst>
+                  <p:ext uri="{D42A27DB-BD31-4B8C-83A1-F6EECF244321}">
+                    <p14:modId xmlns:p14="http://schemas.microsoft.com/office/powerpoint/2010/main" val="3170274219"/>
+                  </p:ext>
+                </p:extLst>
+              </p:nvPr>
+            </p:nvGraphicFramePr>
+            <p:xfrm>
+              <a:off x="36000" y="54000"/>
+              <a:ext cx="8460000" cy="4229223"/>
+            </p:xfrm>
+            <a:graphic>
+              <a:graphicData uri="http://schemas.microsoft.com/office/powerpoint/2016/slidezoom">
+                <pslz:sldZm>
+                  <pslz:sldZmObj sldId="256" cId="3817720707">
+                    <pslz:zmPr id="{5318D76C-A0DC-D044-B717-494DBD589951}" returnToParent="0" transitionDur="1000" showBg="0">
+                      <p166:blipFill xmlns:p166="http://schemas.microsoft.com/office/powerpoint/2016/6/main">
+                        <a:blip r:embed="rId2"/>
+                        <a:stretch>
+                          <a:fillRect/>
+                        </a:stretch>
+                      </p166:blipFill>
+                      <p166:spPr xmlns:p166="http://schemas.microsoft.com/office/powerpoint/2016/6/main">
+                        <a:xfrm>
+                          <a:off x="0" y="0"/>
+                          <a:ext cx="8460000" cy="4229223"/>
+                        </a:xfrm>
+                        <a:prstGeom prst="rect">
+                          <a:avLst/>
+                        </a:prstGeom>
+                      </p166:spPr>
+                    </pslz:zmPr>
+                  </pslz:sldZmObj>
+                </pslz:sldZm>
+              </a:graphicData>
+            </a:graphic>
+          </p:graphicFrame>
+        </mc:Choice>
+        <mc:Fallback>
+          <p:pic>
+            <p:nvPicPr>
+              <p:cNvPr id="5" name="Slide Zoom 4">
+                <a:hlinkClick r:id="rId3" action="ppaction://hlinksldjump"/>
+                <a:extLst>
+                  <a:ext uri="{FF2B5EF4-FFF2-40B4-BE49-F238E27FC236}">
+                    <a16:creationId xmlns:a16="http://schemas.microsoft.com/office/drawing/2014/main" id="{3E6FDABE-3580-E24D-A39D-2D1C16920FE0}"/>
+                  </a:ext>
+                </a:extLst>
+              </p:cNvPr>
+              <p:cNvPicPr>
+                <a:picLocks noGrp="1" noRot="1" noChangeAspect="1" noMove="1" noResize="1" noEditPoints="1" noAdjustHandles="1" noChangeArrowheads="1" noChangeShapeType="1"/>
+              </p:cNvPicPr>
+              <p:nvPr/>
+            </p:nvPicPr>
+            <p:blipFill>
+              <a:blip r:embed="rId2"/>
+              <a:stretch>
+                <a:fillRect/>
+              </a:stretch>
+            </p:blipFill>
+            <p:spPr>
+              <a:xfrm>
+                <a:off x="36000" y="54000"/>
+                <a:ext cx="8460000" cy="4229223"/>
+              </a:xfrm>
+              <a:prstGeom prst="rect">
+                <a:avLst/>
+              </a:prstGeom>
+            </p:spPr>
+          </p:pic>
+        </mc:Fallback>
+      </mc:AlternateContent>
+      <mc:AlternateContent xmlns:mc="http://schemas.openxmlformats.org/markup-compatibility/2006">
+        <mc:Choice xmlns:pslz="http://schemas.microsoft.com/office/powerpoint/2016/slidezoom" Requires="pslz">
+          <p:graphicFrame>
+            <p:nvGraphicFramePr>
+              <p:cNvPr id="7" name="Slide Zoom 6">
+                <a:extLst>
+                  <a:ext uri="{FF2B5EF4-FFF2-40B4-BE49-F238E27FC236}">
+                    <a16:creationId xmlns:a16="http://schemas.microsoft.com/office/drawing/2014/main" id="{18B293E8-9A8E-203E-5A51-94B62C225379}"/>
+                  </a:ext>
+                </a:extLst>
+              </p:cNvPr>
+              <p:cNvGraphicFramePr>
+                <a:graphicFrameLocks noChangeAspect="1"/>
+              </p:cNvGraphicFramePr>
+              <p:nvPr>
+                <p:extLst>
+                  <p:ext uri="{D42A27DB-BD31-4B8C-83A1-F6EECF244321}">
+                    <p14:modId xmlns:p14="http://schemas.microsoft.com/office/powerpoint/2010/main" val="1434741218"/>
+                  </p:ext>
+                </p:extLst>
+              </p:nvPr>
+            </p:nvGraphicFramePr>
+            <p:xfrm rot="10800000">
+              <a:off x="144000" y="36000"/>
+              <a:ext cx="8460000" cy="4229223"/>
+            </p:xfrm>
+            <a:graphic>
+              <a:graphicData uri="http://schemas.microsoft.com/office/powerpoint/2016/slidezoom">
+                <pslz:sldZm>
+                  <pslz:sldZmObj sldId="256" cId="3817720707">
+                    <pslz:zmPr id="{5318D76C-A0DC-D044-B717-494DBD589951}" returnToParent="0" transitionDur="1000" showBg="0">
+                      <p166:blipFill xmlns:p166="http://schemas.microsoft.com/office/powerpoint/2016/6/main">
+                        <a:blip r:embed="rId2"/>
+                        <a:stretch>
+                          <a:fillRect/>
+                        </a:stretch>
+                      </p166:blipFill>
+                      <p166:spPr xmlns:p166="http://schemas.microsoft.com/office/powerpoint/2016/6/main">
+                        <a:xfrm rot="10800000">
+                          <a:off x="0" y="0"/>
+                          <a:ext cx="8460000" cy="4229223"/>
+                        </a:xfrm>
+                        <a:prstGeom prst="rect">
+                          <a:avLst/>
+                        </a:prstGeom>
+                      </p166:spPr>
+                    </pslz:zmPr>
+                  </pslz:sldZmObj>
+                </pslz:sldZm>
+              </a:graphicData>
+            </a:graphic>
+          </p:graphicFrame>
+        </mc:Choice>
+        <mc:Fallback>
+          <p:pic>
+            <p:nvPicPr>
+              <p:cNvPr id="7" name="Slide Zoom 6">
+                <a:hlinkClick r:id="rId3" action="ppaction://hlinksldjump"/>
+                <a:extLst>
+                  <a:ext uri="{FF2B5EF4-FFF2-40B4-BE49-F238E27FC236}">
+                    <a16:creationId xmlns:a16="http://schemas.microsoft.com/office/drawing/2014/main" id="{18B293E8-9A8E-203E-5A51-94B62C225379}"/>
+                  </a:ext>
+                </a:extLst>
+              </p:cNvPr>
+              <p:cNvPicPr>
+                <a:picLocks noGrp="1" noRot="1" noChangeAspect="1" noMove="1" noResize="1" noEditPoints="1" noAdjustHandles="1" noChangeArrowheads="1" noChangeShapeType="1"/>
+              </p:cNvPicPr>
+              <p:nvPr/>
+            </p:nvPicPr>
+            <p:blipFill>
+              <a:blip r:embed="rId2"/>
+              <a:stretch>
+                <a:fillRect/>
+              </a:stretch>
+            </p:blipFill>
+            <p:spPr>
+              <a:xfrm rot="10800000">
+                <a:off x="144000" y="36000"/>
+                <a:ext cx="8460000" cy="4229223"/>
+              </a:xfrm>
+              <a:prstGeom prst="rect">
+                <a:avLst/>
+              </a:prstGeom>
+            </p:spPr>
+          </p:pic>
+        </mc:Fallback>
+      </mc:AlternateContent>
+    </p:spTree>
+    <p:extLst>
+      <p:ext uri="{BB962C8B-B14F-4D97-AF65-F5344CB8AC3E}">
+        <p14:creationId xmlns:p14="http://schemas.microsoft.com/office/powerpoint/2010/main" val="4057393613"/>
+      </p:ext>
+    </p:extLst>
+  </p:cSld>
+  <p:clrMapOvr>
+    <a:masterClrMapping/>
+  </p:clrMapOvr>
+</p:sld>
+</file>
+
+<file path=ppt/slides/slide2.xml><?xml version="1.0" encoding="utf-8"?>
+<p:sld xmlns:a="http://schemas.openxmlformats.org/drawingml/2006/main" xmlns:r="http://schemas.openxmlformats.org/officeDocument/2006/relationships" xmlns:p="http://schemas.openxmlformats.org/presentationml/2006/main">
+  <p:cSld>
     <p:spTree>
       <p:nvGrpSpPr>
         <p:cNvPr id="1" name=""/>
@@ -3034,8 +3247,8 @@
           </a:p>
         </p:txBody>
       </p:sp>
-      <mc:AlternateContent xmlns:mc="http://schemas.openxmlformats.org/markup-compatibility/2006">
-        <mc:Choice xmlns:pslz="http://schemas.microsoft.com/office/powerpoint/2016/slidezoom" Requires="pslz">
+      <mc:AlternateContent xmlns:mc="http://schemas.openxmlformats.org/markup-compatibility/2006" xmlns:pslz="http://schemas.microsoft.com/office/powerpoint/2016/slidezoom">
+        <mc:Choice Requires="pslz">
           <p:graphicFrame>
             <p:nvGraphicFramePr>
               <p:cNvPr id="3" name="Slide Zoom 2">
@@ -3088,7 +3301,7 @@
             </a:graphic>
           </p:graphicFrame>
         </mc:Choice>
-        <mc:Fallback>
+        <mc:Fallback xmlns="">
           <p:pic>
             <p:nvPicPr>
               <p:cNvPr id="3" name="Slide Zoom 2">
@@ -3105,7 +3318,7 @@
               <p:nvPr/>
             </p:nvPicPr>
             <p:blipFill>
-              <a:blip r:embed="rId2"/>
+              <a:blip r:embed="rId4"/>
               <a:stretch>
                 <a:fillRect/>
               </a:stretch>
@@ -3123,8 +3336,8 @@
           </p:pic>
         </mc:Fallback>
       </mc:AlternateContent>
-      <mc:AlternateContent xmlns:mc="http://schemas.openxmlformats.org/markup-compatibility/2006">
-        <mc:Choice xmlns:pslz="http://schemas.microsoft.com/office/powerpoint/2016/slidezoom" Requires="pslz">
+      <mc:AlternateContent xmlns:mc="http://schemas.openxmlformats.org/markup-compatibility/2006" xmlns:pslz="http://schemas.microsoft.com/office/powerpoint/2016/slidezoom">
+        <mc:Choice Requires="pslz">
           <p:graphicFrame>
             <p:nvGraphicFramePr>
               <p:cNvPr id="2" name="Slide Zoom 1">
@@ -3155,7 +3368,7 @@
                   <pslz:sldZmObj sldId="256" cId="3817720707">
                     <pslz:zmPr id="{5516D678-6588-6747-AFD4-6423C55B401B}" returnToParent="0" transitionDur="1000" showBg="0">
                       <p166:blipFill xmlns:p166="http://schemas.microsoft.com/office/powerpoint/2016/6/main">
-                        <a:blip r:embed="rId4"/>
+                        <a:blip r:embed="rId5"/>
                         <a:stretch>
                           <a:fillRect/>
                         </a:stretch>
@@ -3177,7 +3390,7 @@
             </a:graphic>
           </p:graphicFrame>
         </mc:Choice>
-        <mc:Fallback>
+        <mc:Fallback xmlns="">
           <p:pic>
             <p:nvPicPr>
               <p:cNvPr id="2" name="Slide Zoom 1">
@@ -3194,7 +3407,7 @@
               <p:nvPr/>
             </p:nvPicPr>
             <p:blipFill>
-              <a:blip r:embed="rId4"/>
+              <a:blip r:embed="rId6"/>
               <a:stretch>
                 <a:fillRect/>
               </a:stretch>
@@ -3212,8 +3425,8 @@
           </p:pic>
         </mc:Fallback>
       </mc:AlternateContent>
-      <mc:AlternateContent xmlns:mc="http://schemas.openxmlformats.org/markup-compatibility/2006">
-        <mc:Choice xmlns:pslz="http://schemas.microsoft.com/office/powerpoint/2016/slidezoom" Requires="pslz">
+      <mc:AlternateContent xmlns:mc="http://schemas.openxmlformats.org/markup-compatibility/2006" xmlns:pslz="http://schemas.microsoft.com/office/powerpoint/2016/slidezoom">
+        <mc:Choice Requires="pslz">
           <p:graphicFrame>
             <p:nvGraphicFramePr>
               <p:cNvPr id="4" name="Slide Zoom 3">
@@ -3244,7 +3457,7 @@
                   <pslz:sldZmObj sldId="256" cId="3817720707">
                     <pslz:zmPr id="{5516D678-6588-6747-AFD4-6423C55B401B}" returnToParent="0" transitionDur="1000" showBg="0">
                       <p166:blipFill xmlns:p166="http://schemas.microsoft.com/office/powerpoint/2016/6/main">
-                        <a:blip r:embed="rId5"/>
+                        <a:blip r:embed="rId7"/>
                         <a:stretch>
                           <a:fillRect/>
                         </a:stretch>
@@ -3266,7 +3479,7 @@
             </a:graphic>
           </p:graphicFrame>
         </mc:Choice>
-        <mc:Fallback>
+        <mc:Fallback xmlns="">
           <p:pic>
             <p:nvPicPr>
               <p:cNvPr id="4" name="Slide Zoom 3">
@@ -3283,7 +3496,7 @@
               <p:nvPr/>
             </p:nvPicPr>
             <p:blipFill>
-              <a:blip r:embed="rId5"/>
+              <a:blip r:embed="rId8"/>
               <a:stretch>
                 <a:fillRect/>
               </a:stretch>
@@ -3301,8 +3514,8 @@
           </p:pic>
         </mc:Fallback>
       </mc:AlternateContent>
-      <mc:AlternateContent xmlns:mc="http://schemas.openxmlformats.org/markup-compatibility/2006">
-        <mc:Choice xmlns:pslz="http://schemas.microsoft.com/office/powerpoint/2016/slidezoom" Requires="pslz">
+      <mc:AlternateContent xmlns:mc="http://schemas.openxmlformats.org/markup-compatibility/2006" xmlns:pslz="http://schemas.microsoft.com/office/powerpoint/2016/slidezoom">
+        <mc:Choice Requires="pslz">
           <p:graphicFrame>
             <p:nvGraphicFramePr>
               <p:cNvPr id="5" name="Slide Zoom 4">
@@ -3333,7 +3546,7 @@
                   <pslz:sldZmObj sldId="256" cId="3817720707">
                     <pslz:zmPr id="{5516D678-6588-6747-AFD4-6423C55B401B}" returnToParent="0" transitionDur="1000" showBg="0">
                       <p166:blipFill xmlns:p166="http://schemas.microsoft.com/office/powerpoint/2016/6/main">
-                        <a:blip r:embed="rId6"/>
+                        <a:blip r:embed="rId9"/>
                         <a:stretch>
                           <a:fillRect/>
                         </a:stretch>
@@ -3355,7 +3568,7 @@
             </a:graphic>
           </p:graphicFrame>
         </mc:Choice>
-        <mc:Fallback>
+        <mc:Fallback xmlns="">
           <p:pic>
             <p:nvPicPr>
               <p:cNvPr id="5" name="Slide Zoom 4">
@@ -3372,7 +3585,7 @@
               <p:nvPr/>
             </p:nvPicPr>
             <p:blipFill>
-              <a:blip r:embed="rId6"/>
+              <a:blip r:embed="rId10"/>
               <a:stretch>
                 <a:fillRect/>
               </a:stretch>
